--- a/2022-09-28_mauiworkshop_msftreactor/Workshop6 - App Themes.pptx
+++ b/2022-09-28_mauiworkshop_msftreactor/Workshop6 - App Themes.pptx
@@ -8,7 +8,7 @@
     <p:notesMasterId r:id="rId32"/>
   </p:notesMasterIdLst>
   <p:sldIdLst>
-    <p:sldId id="10325" r:id="rId2"/>
+    <p:sldId id="291" r:id="rId2"/>
     <p:sldId id="10330" r:id="rId3"/>
     <p:sldId id="261" r:id="rId4"/>
     <p:sldId id="263" r:id="rId5"/>
@@ -37,7 +37,7 @@
     <p:sldId id="10339" r:id="rId28"/>
     <p:sldId id="10340" r:id="rId29"/>
     <p:sldId id="10341" r:id="rId30"/>
-    <p:sldId id="10336" r:id="rId31"/>
+    <p:sldId id="8394" r:id="rId31"/>
   </p:sldIdLst>
   <p:sldSz cx="12192000" cy="6858000"/>
   <p:notesSz cx="6858000" cy="9144000"/>
@@ -252,7 +252,7 @@
           <a:p>
             <a:fld id="{A334C884-B1D7-A043-A4AA-521744755A4B}" type="datetimeFigureOut">
               <a:rPr lang="en-US" smtClean="0"/>
-              <a:t>3/29/2022</a:t>
+              <a:t>9/27/22</a:t>
             </a:fld>
             <a:endParaRPr lang="en-US"/>
           </a:p>
@@ -2348,7 +2348,7 @@
           <a:p>
             <a:fld id="{E74353ED-ACB2-44BF-A903-985B0AF962B7}" type="datetime1">
               <a:rPr lang="en-US" smtClean="0"/>
-              <a:t>3/29/2022</a:t>
+              <a:t>9/27/22</a:t>
             </a:fld>
             <a:endParaRPr lang="en-US" dirty="0"/>
           </a:p>
@@ -2381,7 +2381,7 @@
     </p:spTree>
     <p:extLst>
       <p:ext uri="{BB962C8B-B14F-4D97-AF65-F5344CB8AC3E}">
-        <p14:creationId xmlns:p14="http://schemas.microsoft.com/office/powerpoint/2010/main" val="317097467"/>
+        <p14:creationId xmlns:p14="http://schemas.microsoft.com/office/powerpoint/2010/main" val="2826387322"/>
       </p:ext>
     </p:extLst>
   </p:cSld>
@@ -8967,46 +8967,10 @@
           <a:bodyPr/>
           <a:lstStyle/>
           <a:p>
-            <a:endParaRPr lang="en-US"/>
+            <a:endParaRPr lang="en-US" dirty="0"/>
           </a:p>
         </p:txBody>
       </p:sp>
-      <p:pic>
-        <p:nvPicPr>
-          <p:cNvPr id="14" name="Picture 13">
-            <a:extLst>
-              <a:ext uri="{FF2B5EF4-FFF2-40B4-BE49-F238E27FC236}">
-                <a16:creationId xmlns:a16="http://schemas.microsoft.com/office/drawing/2014/main" id="{2B9DAD5B-03C7-43FE-A3F9-29F44B946B48}"/>
-              </a:ext>
-            </a:extLst>
-          </p:cNvPr>
-          <p:cNvPicPr>
-            <a:picLocks noChangeAspect="1"/>
-          </p:cNvPicPr>
-          <p:nvPr/>
-        </p:nvPicPr>
-        <p:blipFill>
-          <a:blip r:embed="rId2">
-            <a:extLst>
-              <a:ext uri="{28A0092B-C50C-407E-A947-70E740481C1C}">
-                <a14:useLocalDpi xmlns:a14="http://schemas.microsoft.com/office/drawing/2010/main" val="0"/>
-              </a:ext>
-            </a:extLst>
-          </a:blip>
-          <a:stretch>
-            <a:fillRect/>
-          </a:stretch>
-        </p:blipFill>
-        <p:spPr>
-          <a:xfrm>
-            <a:off x="281182" y="4673121"/>
-            <a:ext cx="557054" cy="1890129"/>
-          </a:xfrm>
-          <a:prstGeom prst="rect">
-            <a:avLst/>
-          </a:prstGeom>
-        </p:spPr>
-      </p:pic>
       <p:sp>
         <p:nvSpPr>
           <p:cNvPr id="15" name="TextBox 14">
@@ -9056,7 +9020,7 @@
               <a:rPr lang="en-US" sz="1961" dirty="0">
                 <a:cs typeface="Arial"/>
               </a:rPr>
-              <a:t>James Montemagno</a:t>
+              <a:t>Allan Ritchie</a:t>
             </a:r>
           </a:p>
           <a:p>
@@ -9065,7 +9029,7 @@
                 <a:latin typeface="+mj-lt"/>
                 <a:cs typeface="Arial"/>
               </a:rPr>
-              <a:t>Principal Lead PM – Developer Community, Microsoft</a:t>
+              <a:t>Independent Consultant – Microsoft MVP</a:t>
             </a:r>
           </a:p>
         </p:txBody>
@@ -9108,7 +9072,7 @@
                 <a:latin typeface="+mj-lt"/>
                 <a:cs typeface="Arial"/>
               </a:rPr>
-              <a:t>@JamesMontemagno</a:t>
+              <a:t>@allanritchie911</a:t>
             </a:r>
           </a:p>
           <a:p>
@@ -9129,7 +9093,7 @@
                 <a:latin typeface="+mj-lt"/>
                 <a:cs typeface="Arial"/>
               </a:rPr>
-              <a:t>JamesMontemagno</a:t>
+              <a:t>aritchie</a:t>
             </a:r>
             <a:endParaRPr lang="en-US" sz="1765" dirty="0">
               <a:latin typeface="+mj-lt"/>
@@ -9153,7 +9117,7 @@
           <p:nvPr/>
         </p:nvPicPr>
         <p:blipFill>
-          <a:blip r:embed="rId3">
+          <a:blip r:embed="rId2">
             <a:extLst>
               <a:ext uri="{28A0092B-C50C-407E-A947-70E740481C1C}">
                 <a14:useLocalDpi xmlns:a14="http://schemas.microsoft.com/office/drawing/2010/main" val="0"/>
@@ -9187,10 +9151,40 @@
       </p:pic>
       <p:pic>
         <p:nvPicPr>
-          <p:cNvPr id="22" name="Picture 4" descr="See the source image">
+          <p:cNvPr id="5" name="Picture 4" descr="A person's face with a black background&#10;&#10;Description automatically generated with low confidence">
             <a:extLst>
               <a:ext uri="{FF2B5EF4-FFF2-40B4-BE49-F238E27FC236}">
-                <a16:creationId xmlns:a16="http://schemas.microsoft.com/office/drawing/2014/main" id="{29903BF8-06F8-4657-993C-F74F21394EBB}"/>
+                <a16:creationId xmlns:a16="http://schemas.microsoft.com/office/drawing/2014/main" id="{81B18E2C-A3A1-C320-BAAC-2E5F85F8B720}"/>
+              </a:ext>
+            </a:extLst>
+          </p:cNvPr>
+          <p:cNvPicPr>
+            <a:picLocks noChangeAspect="1"/>
+          </p:cNvPicPr>
+          <p:nvPr/>
+        </p:nvPicPr>
+        <p:blipFill>
+          <a:blip r:embed="rId3"/>
+          <a:stretch>
+            <a:fillRect/>
+          </a:stretch>
+        </p:blipFill>
+        <p:spPr>
+          <a:xfrm>
+            <a:off x="-387780" y="4920713"/>
+            <a:ext cx="1932917" cy="1447800"/>
+          </a:xfrm>
+          <a:prstGeom prst="rect">
+            <a:avLst/>
+          </a:prstGeom>
+        </p:spPr>
+      </p:pic>
+      <p:pic>
+        <p:nvPicPr>
+          <p:cNvPr id="6" name="Picture 2">
+            <a:extLst>
+              <a:ext uri="{FF2B5EF4-FFF2-40B4-BE49-F238E27FC236}">
+                <a16:creationId xmlns:a16="http://schemas.microsoft.com/office/drawing/2014/main" id="{A01CF5C4-989F-625E-AC59-93E14C2A8CA0}"/>
               </a:ext>
             </a:extLst>
           </p:cNvPr>
@@ -9202,20 +9196,18 @@
         <p:blipFill>
           <a:blip r:embed="rId4">
             <a:extLst>
-              <a:ext uri="{28A0092B-C50C-407E-A947-70E740481C1C}">
-                <a14:useLocalDpi xmlns:a14="http://schemas.microsoft.com/office/drawing/2010/main" val="0"/>
+              <a:ext uri="{837473B0-CC2E-450A-ABE3-18F120FF3D39}">
+                <a1611:picAttrSrcUrl xmlns:a1611="http://schemas.microsoft.com/office/drawing/2016/11/main" r:id="rId5"/>
               </a:ext>
             </a:extLst>
           </a:blip>
           <a:srcRect/>
-          <a:stretch>
-            <a:fillRect/>
-          </a:stretch>
+          <a:stretch/>
         </p:blipFill>
         <p:spPr bwMode="auto">
           <a:xfrm>
-            <a:off x="1329544" y="6033686"/>
-            <a:ext cx="431185" cy="431185"/>
+            <a:off x="1345061" y="6055181"/>
+            <a:ext cx="326511" cy="326511"/>
           </a:xfrm>
           <a:prstGeom prst="rect">
             <a:avLst/>
@@ -9235,7 +9227,7 @@
     </p:spTree>
     <p:extLst>
       <p:ext uri="{BB962C8B-B14F-4D97-AF65-F5344CB8AC3E}">
-        <p14:creationId xmlns:p14="http://schemas.microsoft.com/office/powerpoint/2010/main" val="518800922"/>
+        <p14:creationId xmlns:p14="http://schemas.microsoft.com/office/powerpoint/2010/main" val="1381034289"/>
       </p:ext>
     </p:extLst>
   </p:cSld>
@@ -27155,7 +27147,7 @@
         </p:nvSpPr>
         <p:spPr bwMode="invGray">
           <a:xfrm>
-            <a:off x="796087" y="1295396"/>
+            <a:off x="769885" y="1714737"/>
             <a:ext cx="10321336" cy="821723"/>
           </a:xfrm>
           <a:prstGeom prst="rect">
@@ -27354,37 +27346,17 @@
               <a:buSzPct val="90000"/>
             </a:pPr>
             <a:r>
-              <a:rPr lang="en-US" sz="7646" spc="0" dirty="0">
+              <a:rPr lang="en-US" sz="7646" spc="0">
                 <a:solidFill>
                   <a:schemeClr val="tx1"/>
                 </a:solidFill>
               </a:rPr>
-              <a:t>Let’s Implement</a:t>
-            </a:r>
-          </a:p>
-          <a:p>
-            <a:pPr defTabSz="914367">
-              <a:lnSpc>
-                <a:spcPct val="60000"/>
-              </a:lnSpc>
-              <a:buClr>
-                <a:srgbClr val="FFFFFF"/>
-              </a:buClr>
-              <a:buSzPct val="90000"/>
-            </a:pPr>
-            <a:r>
-              <a:rPr lang="en-US" sz="7646" spc="0" dirty="0">
-                <a:solidFill>
-                  <a:schemeClr val="tx1"/>
-                </a:solidFill>
-              </a:rPr>
-              <a:t>App Themes</a:t>
+              <a:t>Let’s Do Some Code!</a:t>
             </a:r>
             <a:endParaRPr lang="en-US" sz="7646" spc="0" dirty="0">
               <a:solidFill>
                 <a:schemeClr val="tx1"/>
               </a:solidFill>
-              <a:latin typeface="+mn-lt"/>
             </a:endParaRPr>
           </a:p>
         </p:txBody>
@@ -27435,36 +27407,6 @@
           </a:p>
         </p:txBody>
       </p:sp>
-      <p:pic>
-        <p:nvPicPr>
-          <p:cNvPr id="7" name="Picture 6"/>
-          <p:cNvPicPr>
-            <a:picLocks noChangeAspect="1"/>
-          </p:cNvPicPr>
-          <p:nvPr/>
-        </p:nvPicPr>
-        <p:blipFill>
-          <a:blip r:embed="rId3">
-            <a:extLst>
-              <a:ext uri="{28A0092B-C50C-407E-A947-70E740481C1C}">
-                <a14:useLocalDpi xmlns:a14="http://schemas.microsoft.com/office/drawing/2010/main" val="0"/>
-              </a:ext>
-            </a:extLst>
-          </a:blip>
-          <a:stretch>
-            <a:fillRect/>
-          </a:stretch>
-        </p:blipFill>
-        <p:spPr>
-          <a:xfrm>
-            <a:off x="687982" y="4315297"/>
-            <a:ext cx="557054" cy="1890129"/>
-          </a:xfrm>
-          <a:prstGeom prst="rect">
-            <a:avLst/>
-          </a:prstGeom>
-        </p:spPr>
-      </p:pic>
       <p:sp>
         <p:nvSpPr>
           <p:cNvPr id="12" name="TextBox 11"/>
@@ -27473,8 +27415,8 @@
         </p:nvSpPr>
         <p:spPr>
           <a:xfrm>
-            <a:off x="1736344" y="4325390"/>
-            <a:ext cx="5966529" cy="942965"/>
+            <a:off x="1736344" y="4476265"/>
+            <a:ext cx="5966529" cy="641215"/>
           </a:xfrm>
           <a:prstGeom prst="rect">
             <a:avLst/>
@@ -27508,19 +27450,8 @@
               <a:rPr lang="en-US" sz="1961" dirty="0">
                 <a:cs typeface="Arial"/>
               </a:rPr>
-              <a:t>James</a:t>
-            </a:r>
-          </a:p>
-          <a:p>
-            <a:r>
-              <a:rPr lang="en-US" sz="1961" dirty="0" err="1">
-                <a:cs typeface="Arial"/>
-              </a:rPr>
-              <a:t>Montemagno</a:t>
-            </a:r>
-            <a:endParaRPr lang="en-US" sz="1961" dirty="0">
-              <a:cs typeface="Arial"/>
-            </a:endParaRPr>
+              <a:t>Allan Ritchie</a:t>
+            </a:r>
           </a:p>
           <a:p>
             <a:r>
@@ -27528,7 +27459,7 @@
                 <a:latin typeface="+mj-lt"/>
                 <a:cs typeface="Arial"/>
               </a:rPr>
-              <a:t>Principal Lead PM – Developer Community, Microsoft</a:t>
+              <a:t>Independent Consultant – Microsoft MVP</a:t>
             </a:r>
           </a:p>
         </p:txBody>
@@ -27593,7 +27524,7 @@
           <p:spPr>
             <a:xfrm>
               <a:off x="1735137" y="5935662"/>
-              <a:ext cx="2328863" cy="416635"/>
+              <a:ext cx="2493962" cy="416635"/>
             </a:xfrm>
             <a:prstGeom prst="rect">
               <a:avLst/>
@@ -27612,49 +27543,16 @@
                 </a:lnSpc>
               </a:pPr>
               <a:r>
-                <a:rPr lang="en-US" sz="1765" dirty="0">
+                <a:rPr lang="en-US" sz="1765" dirty="0" err="1">
                   <a:latin typeface="+mj-lt"/>
                   <a:cs typeface="Arial"/>
                 </a:rPr>
-                <a:t>motz@microsoft.com</a:t>
+                <a:t>allan.ritchie@gmail.com</a:t>
               </a:r>
-            </a:p>
-          </p:txBody>
-        </p:sp>
-        <p:sp>
-          <p:nvSpPr>
-            <p:cNvPr id="11" name="TextBox 10"/>
-            <p:cNvSpPr txBox="1"/>
-            <p:nvPr/>
-          </p:nvSpPr>
-          <p:spPr>
-            <a:xfrm>
-              <a:off x="5833269" y="5935662"/>
-              <a:ext cx="2024063" cy="416635"/>
-            </a:xfrm>
-            <a:prstGeom prst="rect">
-              <a:avLst/>
-            </a:prstGeom>
-            <a:noFill/>
-          </p:spPr>
-          <p:txBody>
-            <a:bodyPr wrap="square" rtlCol="0">
-              <a:spAutoFit/>
-            </a:bodyPr>
-            <a:lstStyle/>
-            <a:p>
-              <a:pPr algn="ctr">
-                <a:lnSpc>
-                  <a:spcPct val="130000"/>
-                </a:lnSpc>
-              </a:pPr>
-              <a:r>
-                <a:rPr lang="en-US" sz="1765" dirty="0">
-                  <a:latin typeface="+mj-lt"/>
-                  <a:cs typeface="Arial"/>
-                </a:rPr>
-                <a:t>montemagno.com</a:t>
-              </a:r>
+              <a:endParaRPr lang="en-US" sz="1765" dirty="0">
+                <a:latin typeface="+mj-lt"/>
+                <a:cs typeface="Arial"/>
+              </a:endParaRPr>
             </a:p>
           </p:txBody>
         </p:sp>
@@ -27690,7 +27588,7 @@
                   <a:latin typeface="+mj-lt"/>
                   <a:cs typeface="Arial"/>
                 </a:rPr>
-                <a:t>@JamesMontemagno</a:t>
+                <a:t>@allanritchie911</a:t>
               </a:r>
             </a:p>
             <a:p>
@@ -27711,7 +27609,7 @@
                   <a:latin typeface="+mj-lt"/>
                   <a:cs typeface="Arial"/>
                 </a:rPr>
-                <a:t>JamesMontemagno</a:t>
+                <a:t>aritchie</a:t>
               </a:r>
               <a:endParaRPr lang="en-US" sz="1765" dirty="0">
                 <a:latin typeface="+mj-lt"/>
@@ -27721,137 +27619,6 @@
           </p:txBody>
         </p:sp>
       </p:grpSp>
-      <p:pic>
-        <p:nvPicPr>
-          <p:cNvPr id="13" name="Picture 12">
-            <a:extLst>
-              <a:ext uri="{FF2B5EF4-FFF2-40B4-BE49-F238E27FC236}">
-                <a16:creationId xmlns:a16="http://schemas.microsoft.com/office/drawing/2014/main" id="{9D574FF3-0A98-4A53-BD42-1250F2BAA987}"/>
-              </a:ext>
-            </a:extLst>
-          </p:cNvPr>
-          <p:cNvPicPr>
-            <a:picLocks noChangeAspect="1"/>
-          </p:cNvPicPr>
-          <p:nvPr/>
-        </p:nvPicPr>
-        <p:blipFill>
-          <a:blip r:embed="rId4">
-            <a:extLst>
-              <a:ext uri="{28A0092B-C50C-407E-A947-70E740481C1C}">
-                <a14:useLocalDpi xmlns:a14="http://schemas.microsoft.com/office/drawing/2010/main"/>
-              </a:ext>
-            </a:extLst>
-          </a:blip>
-          <a:stretch>
-            <a:fillRect/>
-          </a:stretch>
-        </p:blipFill>
-        <p:spPr>
-          <a:xfrm>
-            <a:off x="8680990" y="1860519"/>
-            <a:ext cx="1491986" cy="1491986"/>
-          </a:xfrm>
-          <a:prstGeom prst="rect">
-            <a:avLst/>
-          </a:prstGeom>
-        </p:spPr>
-      </p:pic>
-      <p:sp>
-        <p:nvSpPr>
-          <p:cNvPr id="16" name="TextBox 15">
-            <a:extLst>
-              <a:ext uri="{FF2B5EF4-FFF2-40B4-BE49-F238E27FC236}">
-                <a16:creationId xmlns:a16="http://schemas.microsoft.com/office/drawing/2014/main" id="{C0775226-AE89-4EB3-80AD-2BED47FD58CE}"/>
-              </a:ext>
-            </a:extLst>
-          </p:cNvPr>
-          <p:cNvSpPr txBox="1"/>
-          <p:nvPr/>
-        </p:nvSpPr>
-        <p:spPr>
-          <a:xfrm>
-            <a:off x="7528441" y="3390702"/>
-            <a:ext cx="3797085" cy="926407"/>
-          </a:xfrm>
-          <a:prstGeom prst="rect">
-            <a:avLst/>
-          </a:prstGeom>
-          <a:noFill/>
-        </p:spPr>
-        <p:txBody>
-          <a:bodyPr wrap="square" rtlCol="0">
-            <a:spAutoFit/>
-          </a:bodyPr>
-          <a:lstStyle/>
-          <a:p>
-            <a:pPr marL="0" marR="0" lvl="0" indent="0" algn="ctr" defTabSz="457080" rtl="0" eaLnBrk="1" fontAlgn="auto" latinLnBrk="0" hangingPunct="1">
-              <a:lnSpc>
-                <a:spcPct val="130000"/>
-              </a:lnSpc>
-              <a:spcBef>
-                <a:spcPts val="0"/>
-              </a:spcBef>
-              <a:spcAft>
-                <a:spcPts val="0"/>
-              </a:spcAft>
-              <a:buClrTx/>
-              <a:buSzTx/>
-              <a:buFontTx/>
-              <a:buNone/>
-              <a:tabLst/>
-              <a:defRPr/>
-            </a:pPr>
-            <a:r>
-              <a:rPr kumimoji="0" lang="en-US" sz="2200" b="0" i="0" u="none" strike="noStrike" kern="0" cap="none" spc="0" normalizeH="0" baseline="0" noProof="0" dirty="0">
-                <a:ln>
-                  <a:noFill/>
-                </a:ln>
-                <a:effectLst/>
-                <a:uLnTx/>
-                <a:uFillTx/>
-                <a:latin typeface="Segoe UI Light"/>
-                <a:ea typeface=""/>
-                <a:cs typeface="Arial"/>
-              </a:rPr>
-              <a:t>Weekly development podcast</a:t>
-            </a:r>
-          </a:p>
-          <a:p>
-            <a:pPr marL="0" marR="0" lvl="0" indent="0" algn="ctr" defTabSz="457080" rtl="0" eaLnBrk="1" fontAlgn="auto" latinLnBrk="0" hangingPunct="1">
-              <a:lnSpc>
-                <a:spcPct val="130000"/>
-              </a:lnSpc>
-              <a:spcBef>
-                <a:spcPts val="0"/>
-              </a:spcBef>
-              <a:spcAft>
-                <a:spcPts val="0"/>
-              </a:spcAft>
-              <a:buClrTx/>
-              <a:buSzTx/>
-              <a:buFontTx/>
-              <a:buNone/>
-              <a:tabLst/>
-              <a:defRPr/>
-            </a:pPr>
-            <a:r>
-              <a:rPr kumimoji="0" lang="en-US" sz="2200" b="0" i="0" u="none" strike="noStrike" kern="0" cap="none" spc="0" normalizeH="0" baseline="0" noProof="0" dirty="0">
-                <a:ln>
-                  <a:noFill/>
-                </a:ln>
-                <a:effectLst/>
-                <a:uLnTx/>
-                <a:uFillTx/>
-                <a:latin typeface="Segoe UI Light"/>
-                <a:ea typeface=""/>
-                <a:cs typeface="Arial"/>
-              </a:rPr>
-              <a:t>mergeconflict.fm</a:t>
-            </a:r>
-          </a:p>
-        </p:txBody>
-      </p:sp>
       <p:pic>
         <p:nvPicPr>
           <p:cNvPr id="1026" name="Picture 2" descr="See the source image">
@@ -27867,7 +27634,7 @@
           <p:nvPr/>
         </p:nvPicPr>
         <p:blipFill>
-          <a:blip r:embed="rId5">
+          <a:blip r:embed="rId3">
             <a:extLst>
               <a:ext uri="{28A0092B-C50C-407E-A947-70E740481C1C}">
                 <a14:useLocalDpi xmlns:a14="http://schemas.microsoft.com/office/drawing/2010/main" val="0"/>
@@ -27901,10 +27668,10 @@
       </p:pic>
       <p:pic>
         <p:nvPicPr>
-          <p:cNvPr id="1028" name="Picture 4" descr="See the source image">
+          <p:cNvPr id="2" name="Picture 2">
             <a:extLst>
               <a:ext uri="{FF2B5EF4-FFF2-40B4-BE49-F238E27FC236}">
-                <a16:creationId xmlns:a16="http://schemas.microsoft.com/office/drawing/2014/main" id="{5010391C-E630-4CE0-AF40-750F7E85C5C9}"/>
+                <a16:creationId xmlns:a16="http://schemas.microsoft.com/office/drawing/2014/main" id="{2A811FBF-BE74-0A20-CB01-37872B2ED564}"/>
               </a:ext>
             </a:extLst>
           </p:cNvPr>
@@ -27914,22 +27681,20 @@
           <p:nvPr/>
         </p:nvPicPr>
         <p:blipFill>
-          <a:blip r:embed="rId6">
+          <a:blip r:embed="rId4">
             <a:extLst>
-              <a:ext uri="{28A0092B-C50C-407E-A947-70E740481C1C}">
-                <a14:useLocalDpi xmlns:a14="http://schemas.microsoft.com/office/drawing/2010/main" val="0"/>
+              <a:ext uri="{837473B0-CC2E-450A-ABE3-18F120FF3D39}">
+                <a1611:picAttrSrcUrl xmlns:a1611="http://schemas.microsoft.com/office/drawing/2016/11/main" r:id="rId5"/>
               </a:ext>
             </a:extLst>
           </a:blip>
           <a:srcRect/>
-          <a:stretch>
-            <a:fillRect/>
-          </a:stretch>
+          <a:stretch/>
         </p:blipFill>
         <p:spPr bwMode="auto">
           <a:xfrm>
-            <a:off x="8628652" y="6208539"/>
-            <a:ext cx="431185" cy="431185"/>
+            <a:off x="8680990" y="6241212"/>
+            <a:ext cx="326511" cy="326511"/>
           </a:xfrm>
           <a:prstGeom prst="rect">
             <a:avLst/>
@@ -27946,10 +27711,40 @@
           </a:extLst>
         </p:spPr>
       </p:pic>
+      <p:pic>
+        <p:nvPicPr>
+          <p:cNvPr id="3" name="Picture 2" descr="A person's face with a black background&#10;&#10;Description automatically generated with low confidence">
+            <a:extLst>
+              <a:ext uri="{FF2B5EF4-FFF2-40B4-BE49-F238E27FC236}">
+                <a16:creationId xmlns:a16="http://schemas.microsoft.com/office/drawing/2014/main" id="{F014CF28-CFA6-2B02-9C3F-A8909FCEA463}"/>
+              </a:ext>
+            </a:extLst>
+          </p:cNvPr>
+          <p:cNvPicPr>
+            <a:picLocks noChangeAspect="1"/>
+          </p:cNvPicPr>
+          <p:nvPr/>
+        </p:nvPicPr>
+        <p:blipFill>
+          <a:blip r:embed="rId6"/>
+          <a:stretch>
+            <a:fillRect/>
+          </a:stretch>
+        </p:blipFill>
+        <p:spPr>
+          <a:xfrm>
+            <a:off x="-196573" y="4866792"/>
+            <a:ext cx="1932917" cy="1447800"/>
+          </a:xfrm>
+          <a:prstGeom prst="rect">
+            <a:avLst/>
+          </a:prstGeom>
+        </p:spPr>
+      </p:pic>
     </p:spTree>
     <p:extLst>
       <p:ext uri="{BB962C8B-B14F-4D97-AF65-F5344CB8AC3E}">
-        <p14:creationId xmlns:p14="http://schemas.microsoft.com/office/powerpoint/2010/main" val="3088602710"/>
+        <p14:creationId xmlns:p14="http://schemas.microsoft.com/office/powerpoint/2010/main" val="4049278702"/>
       </p:ext>
     </p:extLst>
   </p:cSld>
